--- a/Phase 2 Documents/Chat Relay – Design Presentation.pptx
+++ b/Phase 2 Documents/Chat Relay – Design Presentation.pptx
@@ -5,10 +5,10 @@
     <p:sldMasterId id="2147483648" r:id="rId4"/>
   </p:sldMasterIdLst>
   <p:notesMasterIdLst>
-    <p:notesMasterId r:id="rId12"/>
+    <p:notesMasterId r:id="rId15"/>
   </p:notesMasterIdLst>
   <p:handoutMasterIdLst>
-    <p:handoutMasterId r:id="rId13"/>
+    <p:handoutMasterId r:id="rId16"/>
   </p:handoutMasterIdLst>
   <p:sldIdLst>
     <p:sldId id="256" r:id="rId5"/>
@@ -17,7 +17,10 @@
     <p:sldId id="299" r:id="rId8"/>
     <p:sldId id="302" r:id="rId9"/>
     <p:sldId id="301" r:id="rId10"/>
-    <p:sldId id="296" r:id="rId11"/>
+    <p:sldId id="303" r:id="rId11"/>
+    <p:sldId id="304" r:id="rId12"/>
+    <p:sldId id="305" r:id="rId13"/>
+    <p:sldId id="296" r:id="rId14"/>
   </p:sldIdLst>
   <p:sldSz cx="12192000" cy="6858000"/>
   <p:notesSz cx="6858000" cy="9144000"/>
@@ -137,14 +140,6 @@
 <p:cmAuthorLst xmlns:a="http://schemas.openxmlformats.org/drawingml/2006/main" xmlns:r="http://schemas.openxmlformats.org/officeDocument/2006/relationships" xmlns:p="http://schemas.openxmlformats.org/presentationml/2006/main">
   <p:cmAuthor id="3" name="Author" initials="A" lastIdx="0" clrIdx="2"/>
 </p:cmAuthorLst>
-</file>
-
-<file path=ppt/revisionInfo.xml><?xml version="1.0" encoding="utf-8"?>
-<p1510:revInfo xmlns:a="http://schemas.openxmlformats.org/drawingml/2006/main" xmlns:r="http://schemas.openxmlformats.org/officeDocument/2006/relationships" xmlns:p1510="http://schemas.microsoft.com/office/powerpoint/2015/10/main">
-  <p1510:revLst>
-    <p1510:client id="{EA2488E5-BC49-45BD-8E04-14190F80DA2F}" v="23" dt="2025-04-09T23:17:38.333"/>
-  </p1510:revLst>
-</p1510:revInfo>
 </file>
 
 <file path=ppt/handoutMasters/handoutMaster1.xml><?xml version="1.0" encoding="utf-8"?>
@@ -834,7 +829,7 @@
           <a:p>
             <a:fld id="{F97DC217-DF71-1A49-B3EA-559F1F43B0FF}" type="slidenum">
               <a:rPr lang="en-US" smtClean="0"/>
-              <a:t>7</a:t>
+              <a:t>10</a:t>
             </a:fld>
             <a:endParaRPr lang="en-US" dirty="0"/>
           </a:p>
@@ -7995,6 +7990,69 @@
 </p:sld>
 </file>
 
+<file path=ppt/slides/slide10.xml><?xml version="1.0" encoding="utf-8"?>
+<p:sld xmlns:a="http://schemas.openxmlformats.org/drawingml/2006/main" xmlns:r="http://schemas.openxmlformats.org/officeDocument/2006/relationships" xmlns:p="http://schemas.openxmlformats.org/presentationml/2006/main">
+  <p:cSld>
+    <p:spTree>
+      <p:nvGrpSpPr>
+        <p:cNvPr id="1" name=""/>
+        <p:cNvGrpSpPr/>
+        <p:nvPr/>
+      </p:nvGrpSpPr>
+      <p:grpSpPr>
+        <a:xfrm>
+          <a:off x="0" y="0"/>
+          <a:ext cx="0" cy="0"/>
+          <a:chOff x="0" y="0"/>
+          <a:chExt cx="0" cy="0"/>
+        </a:xfrm>
+      </p:grpSpPr>
+      <p:sp>
+        <p:nvSpPr>
+          <p:cNvPr id="7" name="Title 6">
+            <a:extLst>
+              <a:ext uri="{FF2B5EF4-FFF2-40B4-BE49-F238E27FC236}">
+                <a16:creationId xmlns:a16="http://schemas.microsoft.com/office/drawing/2014/main" id="{81C753FD-96EC-101A-B8A4-5F69A189BEF4}"/>
+              </a:ext>
+            </a:extLst>
+          </p:cNvPr>
+          <p:cNvSpPr>
+            <a:spLocks noGrp="1"/>
+          </p:cNvSpPr>
+          <p:nvPr>
+            <p:ph type="ctrTitle"/>
+          </p:nvPr>
+        </p:nvSpPr>
+        <p:spPr>
+          <a:xfrm>
+            <a:off x="1167494" y="252549"/>
+            <a:ext cx="6220278" cy="3262811"/>
+          </a:xfrm>
+        </p:spPr>
+        <p:txBody>
+          <a:bodyPr/>
+          <a:lstStyle/>
+          <a:p>
+            <a:r>
+              <a:rPr lang="en-US" dirty="0"/>
+              <a:t>Thank you</a:t>
+            </a:r>
+          </a:p>
+        </p:txBody>
+      </p:sp>
+    </p:spTree>
+    <p:extLst>
+      <p:ext uri="{BB962C8B-B14F-4D97-AF65-F5344CB8AC3E}">
+        <p14:creationId xmlns:p14="http://schemas.microsoft.com/office/powerpoint/2010/main" val="1609673525"/>
+      </p:ext>
+    </p:extLst>
+  </p:cSld>
+  <p:clrMapOvr>
+    <a:masterClrMapping/>
+  </p:clrMapOvr>
+</p:sld>
+</file>
+
 <file path=ppt/slides/slide2.xml><?xml version="1.0" encoding="utf-8"?>
 <p:sld xmlns:a="http://schemas.openxmlformats.org/drawingml/2006/main" xmlns:r="http://schemas.openxmlformats.org/officeDocument/2006/relationships" xmlns:p="http://schemas.openxmlformats.org/presentationml/2006/main">
   <p:cSld>
@@ -8537,7 +8595,7 @@
           <a:p>
             <a:r>
               <a:rPr lang="en-US" b="1" dirty="0"/>
-              <a:t>SendMessage</a:t>
+              <a:t>SendMessage (Blue)</a:t>
             </a:r>
             <a:r>
               <a:rPr lang="en-US" dirty="0"/>
@@ -8547,7 +8605,7 @@
           <a:p>
             <a:r>
               <a:rPr lang="en-US" b="1" dirty="0"/>
-              <a:t>CreateChat</a:t>
+              <a:t>CreateChat (Blue)</a:t>
             </a:r>
             <a:r>
               <a:rPr lang="en-US" dirty="0"/>
@@ -9097,10 +9155,10 @@
       </p:grpSpPr>
       <p:sp>
         <p:nvSpPr>
-          <p:cNvPr id="7" name="Title 6">
+          <p:cNvPr id="6" name="Title 5">
             <a:extLst>
               <a:ext uri="{FF2B5EF4-FFF2-40B4-BE49-F238E27FC236}">
-                <a16:creationId xmlns:a16="http://schemas.microsoft.com/office/drawing/2014/main" id="{81C753FD-96EC-101A-B8A4-5F69A189BEF4}"/>
+                <a16:creationId xmlns:a16="http://schemas.microsoft.com/office/drawing/2014/main" id="{73F100C6-7C9E-56B5-F3AB-F01F3FE03327}"/>
               </a:ext>
             </a:extLst>
           </p:cNvPr>
@@ -9108,13 +9166,540 @@
             <a:spLocks noGrp="1"/>
           </p:cNvSpPr>
           <p:nvPr>
-            <p:ph type="ctrTitle"/>
+            <p:ph type="title"/>
+          </p:nvPr>
+        </p:nvSpPr>
+        <p:spPr/>
+        <p:txBody>
+          <a:bodyPr/>
+          <a:lstStyle/>
+          <a:p>
+            <a:r>
+              <a:rPr lang="en-US" dirty="0"/>
+              <a:t>Packet Description</a:t>
+            </a:r>
+          </a:p>
+        </p:txBody>
+      </p:sp>
+      <p:sp>
+        <p:nvSpPr>
+          <p:cNvPr id="7" name="Content Placeholder 6">
+            <a:extLst>
+              <a:ext uri="{FF2B5EF4-FFF2-40B4-BE49-F238E27FC236}">
+                <a16:creationId xmlns:a16="http://schemas.microsoft.com/office/drawing/2014/main" id="{DD731A28-E507-BF41-CE21-B15542356C1C}"/>
+              </a:ext>
+            </a:extLst>
+          </p:cNvPr>
+          <p:cNvSpPr>
+            <a:spLocks noGrp="1"/>
+          </p:cNvSpPr>
+          <p:nvPr>
+            <p:ph idx="11"/>
           </p:nvPr>
         </p:nvSpPr>
         <p:spPr>
           <a:xfrm>
-            <a:off x="1167494" y="252549"/>
-            <a:ext cx="6220278" cy="3262811"/>
+            <a:off x="4862171" y="3812695"/>
+            <a:ext cx="1877998" cy="2539470"/>
+          </a:xfrm>
+          <a:solidFill>
+            <a:schemeClr val="bg1"/>
+          </a:solidFill>
+          <a:ln w="38100">
+            <a:solidFill>
+              <a:schemeClr val="tx1"/>
+            </a:solidFill>
+          </a:ln>
+        </p:spPr>
+        <p:txBody>
+          <a:bodyPr>
+            <a:normAutofit fontScale="62500" lnSpcReduction="20000"/>
+          </a:bodyPr>
+          <a:lstStyle/>
+          <a:p>
+            <a:pPr algn="ctr">
+              <a:spcBef>
+                <a:spcPts val="600"/>
+              </a:spcBef>
+            </a:pPr>
+            <a:r>
+              <a:rPr lang="en-US" dirty="0">
+                <a:solidFill>
+                  <a:schemeClr val="tx1"/>
+                </a:solidFill>
+              </a:rPr>
+              <a:t>ActionType &lt;&lt;Enumeration&gt;&gt;</a:t>
+            </a:r>
+          </a:p>
+          <a:p>
+            <a:pPr algn="ctr"/>
+            <a:r>
+              <a:rPr lang="en-US" dirty="0">
+                <a:solidFill>
+                  <a:schemeClr val="tx1"/>
+                </a:solidFill>
+              </a:rPr>
+              <a:t>LOGIN</a:t>
+            </a:r>
+            <a:br>
+              <a:rPr lang="en-US" dirty="0">
+                <a:solidFill>
+                  <a:schemeClr val="tx1"/>
+                </a:solidFill>
+              </a:rPr>
+            </a:br>
+            <a:r>
+              <a:rPr lang="en-US" dirty="0">
+                <a:solidFill>
+                  <a:schemeClr val="tx1"/>
+                </a:solidFill>
+              </a:rPr>
+              <a:t>SEND_MESSAGE</a:t>
+            </a:r>
+          </a:p>
+          <a:p>
+            <a:pPr algn="ctr"/>
+            <a:r>
+              <a:rPr lang="en-US" dirty="0">
+                <a:solidFill>
+                  <a:schemeClr val="tx1"/>
+                </a:solidFill>
+              </a:rPr>
+              <a:t>GET_ALL_CHATS</a:t>
+            </a:r>
+            <a:br>
+              <a:rPr lang="en-US" dirty="0">
+                <a:solidFill>
+                  <a:schemeClr val="tx1"/>
+                </a:solidFill>
+              </a:rPr>
+            </a:br>
+            <a:r>
+              <a:rPr lang="en-US" dirty="0">
+                <a:solidFill>
+                  <a:schemeClr val="tx1"/>
+                </a:solidFill>
+              </a:rPr>
+              <a:t>GET_ALL_USERS</a:t>
+            </a:r>
+            <a:br>
+              <a:rPr lang="en-US" dirty="0">
+                <a:solidFill>
+                  <a:schemeClr val="tx1"/>
+                </a:solidFill>
+              </a:rPr>
+            </a:br>
+            <a:r>
+              <a:rPr lang="en-US" dirty="0">
+                <a:solidFill>
+                  <a:schemeClr val="tx1"/>
+                </a:solidFill>
+              </a:rPr>
+              <a:t>CREATE_CHAT</a:t>
+            </a:r>
+          </a:p>
+          <a:p>
+            <a:pPr algn="ctr"/>
+            <a:endParaRPr lang="en-US" dirty="0">
+              <a:solidFill>
+                <a:schemeClr val="tx1"/>
+              </a:solidFill>
+            </a:endParaRPr>
+          </a:p>
+          <a:p>
+            <a:pPr algn="ctr">
+              <a:spcBef>
+                <a:spcPts val="0"/>
+              </a:spcBef>
+            </a:pPr>
+            <a:r>
+              <a:rPr lang="en-US" dirty="0">
+                <a:solidFill>
+                  <a:schemeClr val="tx1"/>
+                </a:solidFill>
+              </a:rPr>
+              <a:t>SUCCESS</a:t>
+            </a:r>
+          </a:p>
+          <a:p>
+            <a:pPr algn="ctr">
+              <a:spcBef>
+                <a:spcPts val="0"/>
+              </a:spcBef>
+            </a:pPr>
+            <a:r>
+              <a:rPr lang="en-US" dirty="0">
+                <a:solidFill>
+                  <a:schemeClr val="tx1"/>
+                </a:solidFill>
+              </a:rPr>
+              <a:t>ERROR</a:t>
+            </a:r>
+          </a:p>
+          <a:p>
+            <a:pPr algn="ctr">
+              <a:spcBef>
+                <a:spcPts val="0"/>
+              </a:spcBef>
+            </a:pPr>
+            <a:br>
+              <a:rPr lang="en-US" dirty="0">
+                <a:solidFill>
+                  <a:schemeClr val="tx1"/>
+                </a:solidFill>
+              </a:rPr>
+            </a:br>
+            <a:r>
+              <a:rPr lang="en-US" dirty="0">
+                <a:solidFill>
+                  <a:schemeClr val="tx1"/>
+                </a:solidFill>
+              </a:rPr>
+              <a:t>CREATE_USER</a:t>
+            </a:r>
+            <a:br>
+              <a:rPr lang="en-US" dirty="0">
+                <a:solidFill>
+                  <a:schemeClr val="tx1"/>
+                </a:solidFill>
+              </a:rPr>
+            </a:br>
+            <a:r>
+              <a:rPr lang="en-US" dirty="0">
+                <a:solidFill>
+                  <a:schemeClr val="tx1"/>
+                </a:solidFill>
+              </a:rPr>
+              <a:t>ENABLE_USER</a:t>
+            </a:r>
+            <a:br>
+              <a:rPr lang="en-US" dirty="0">
+                <a:solidFill>
+                  <a:schemeClr val="tx1"/>
+                </a:solidFill>
+              </a:rPr>
+            </a:br>
+            <a:r>
+              <a:rPr lang="en-US" dirty="0">
+                <a:solidFill>
+                  <a:schemeClr val="tx1"/>
+                </a:solidFill>
+              </a:rPr>
+              <a:t>DISABLE_USER</a:t>
+            </a:r>
+          </a:p>
+        </p:txBody>
+      </p:sp>
+      <p:pic>
+        <p:nvPicPr>
+          <p:cNvPr id="15" name="Content Placeholder 14">
+            <a:extLst>
+              <a:ext uri="{FF2B5EF4-FFF2-40B4-BE49-F238E27FC236}">
+                <a16:creationId xmlns:a16="http://schemas.microsoft.com/office/drawing/2014/main" id="{0C0A1933-4EC4-0F3C-F69C-F7E263FA246E}"/>
+              </a:ext>
+            </a:extLst>
+          </p:cNvPr>
+          <p:cNvPicPr>
+            <a:picLocks noGrp="1" noChangeAspect="1"/>
+          </p:cNvPicPr>
+          <p:nvPr>
+            <p:ph idx="12"/>
+          </p:nvPr>
+        </p:nvPicPr>
+        <p:blipFill>
+          <a:blip r:embed="rId2"/>
+          <a:stretch>
+            <a:fillRect/>
+          </a:stretch>
+        </p:blipFill>
+        <p:spPr>
+          <a:xfrm>
+            <a:off x="831837" y="2023984"/>
+            <a:ext cx="3720224" cy="3332162"/>
+          </a:xfrm>
+          <a:ln w="38100">
+            <a:solidFill>
+              <a:schemeClr val="tx1"/>
+            </a:solidFill>
+          </a:ln>
+        </p:spPr>
+      </p:pic>
+      <p:sp>
+        <p:nvSpPr>
+          <p:cNvPr id="17" name="TextBox 16">
+            <a:extLst>
+              <a:ext uri="{FF2B5EF4-FFF2-40B4-BE49-F238E27FC236}">
+                <a16:creationId xmlns:a16="http://schemas.microsoft.com/office/drawing/2014/main" id="{16655EC4-687C-3522-D68C-FBBF98ABC0DA}"/>
+              </a:ext>
+            </a:extLst>
+          </p:cNvPr>
+          <p:cNvSpPr txBox="1"/>
+          <p:nvPr/>
+        </p:nvSpPr>
+        <p:spPr>
+          <a:xfrm>
+            <a:off x="7050280" y="1775571"/>
+            <a:ext cx="4401083" cy="3784947"/>
+          </a:xfrm>
+          <a:prstGeom prst="rect">
+            <a:avLst/>
+          </a:prstGeom>
+          <a:noFill/>
+        </p:spPr>
+        <p:txBody>
+          <a:bodyPr wrap="square" rtlCol="0">
+            <a:spAutoFit/>
+          </a:bodyPr>
+          <a:lstStyle/>
+          <a:p>
+            <a:pPr marL="285750" indent="-285750">
+              <a:lnSpc>
+                <a:spcPct val="150000"/>
+              </a:lnSpc>
+              <a:buFont typeface="Arial" panose="020B0604020202020204" pitchFamily="34" charset="0"/>
+              <a:buChar char="•"/>
+            </a:pPr>
+            <a:r>
+              <a:rPr lang="en-US" b="1" dirty="0"/>
+              <a:t>ActionType</a:t>
+            </a:r>
+            <a:r>
+              <a:rPr lang="en-US" dirty="0"/>
+              <a:t> - Tells the purpose and ultimately how the Packet is supposed to be processed.</a:t>
+            </a:r>
+          </a:p>
+          <a:p>
+            <a:pPr>
+              <a:lnSpc>
+                <a:spcPct val="150000"/>
+              </a:lnSpc>
+            </a:pPr>
+            <a:endParaRPr lang="en-US" dirty="0"/>
+          </a:p>
+          <a:p>
+            <a:pPr marL="285750" indent="-285750">
+              <a:lnSpc>
+                <a:spcPct val="150000"/>
+              </a:lnSpc>
+              <a:buFont typeface="Arial" panose="020B0604020202020204" pitchFamily="34" charset="0"/>
+              <a:buChar char="•"/>
+            </a:pPr>
+            <a:r>
+              <a:rPr lang="en-US" b="1" dirty="0"/>
+              <a:t>TimeCreated</a:t>
+            </a:r>
+            <a:r>
+              <a:rPr lang="en-US" dirty="0"/>
+              <a:t> - Time the packet is created</a:t>
+            </a:r>
+          </a:p>
+          <a:p>
+            <a:pPr marL="285750" indent="-285750">
+              <a:lnSpc>
+                <a:spcPct val="150000"/>
+              </a:lnSpc>
+              <a:buFont typeface="Arial" panose="020B0604020202020204" pitchFamily="34" charset="0"/>
+              <a:buChar char="•"/>
+            </a:pPr>
+            <a:endParaRPr lang="en-US" dirty="0"/>
+          </a:p>
+          <a:p>
+            <a:pPr marL="285750" indent="-285750">
+              <a:lnSpc>
+                <a:spcPct val="150000"/>
+              </a:lnSpc>
+              <a:buFont typeface="Arial" panose="020B0604020202020204" pitchFamily="34" charset="0"/>
+              <a:buChar char="•"/>
+            </a:pPr>
+            <a:r>
+              <a:rPr lang="en-US" b="1" dirty="0"/>
+              <a:t>SenderId</a:t>
+            </a:r>
+            <a:r>
+              <a:rPr lang="en-US" dirty="0"/>
+              <a:t> - Denotes who created the packet</a:t>
+            </a:r>
+          </a:p>
+        </p:txBody>
+      </p:sp>
+    </p:spTree>
+    <p:extLst>
+      <p:ext uri="{BB962C8B-B14F-4D97-AF65-F5344CB8AC3E}">
+        <p14:creationId xmlns:p14="http://schemas.microsoft.com/office/powerpoint/2010/main" val="3332209223"/>
+      </p:ext>
+    </p:extLst>
+  </p:cSld>
+  <p:clrMapOvr>
+    <a:masterClrMapping/>
+  </p:clrMapOvr>
+</p:sld>
+</file>
+
+<file path=ppt/slides/slide8.xml><?xml version="1.0" encoding="utf-8"?>
+<p:sld xmlns:a="http://schemas.openxmlformats.org/drawingml/2006/main" xmlns:r="http://schemas.openxmlformats.org/officeDocument/2006/relationships" xmlns:p="http://schemas.openxmlformats.org/presentationml/2006/main">
+  <p:cSld>
+    <p:spTree>
+      <p:nvGrpSpPr>
+        <p:cNvPr id="1" name=""/>
+        <p:cNvGrpSpPr/>
+        <p:nvPr/>
+      </p:nvGrpSpPr>
+      <p:grpSpPr>
+        <a:xfrm>
+          <a:off x="0" y="0"/>
+          <a:ext cx="0" cy="0"/>
+          <a:chOff x="0" y="0"/>
+          <a:chExt cx="0" cy="0"/>
+        </a:xfrm>
+      </p:grpSpPr>
+      <p:sp>
+        <p:nvSpPr>
+          <p:cNvPr id="5" name="Title 4">
+            <a:extLst>
+              <a:ext uri="{FF2B5EF4-FFF2-40B4-BE49-F238E27FC236}">
+                <a16:creationId xmlns:a16="http://schemas.microsoft.com/office/drawing/2014/main" id="{C8965E8C-F5E4-517D-FDD9-4B4C94685104}"/>
+              </a:ext>
+            </a:extLst>
+          </p:cNvPr>
+          <p:cNvSpPr>
+            <a:spLocks noGrp="1"/>
+          </p:cNvSpPr>
+          <p:nvPr>
+            <p:ph type="title"/>
+          </p:nvPr>
+        </p:nvSpPr>
+        <p:spPr/>
+        <p:txBody>
+          <a:bodyPr/>
+          <a:lstStyle/>
+          <a:p>
+            <a:r>
+              <a:rPr lang="en-US" dirty="0"/>
+              <a:t>Server / Client Handler Descriptions</a:t>
+            </a:r>
+          </a:p>
+        </p:txBody>
+      </p:sp>
+      <p:pic>
+        <p:nvPicPr>
+          <p:cNvPr id="8" name="Picture 7">
+            <a:extLst>
+              <a:ext uri="{FF2B5EF4-FFF2-40B4-BE49-F238E27FC236}">
+                <a16:creationId xmlns:a16="http://schemas.microsoft.com/office/drawing/2014/main" id="{FFDF0731-59B0-3E0A-019B-46CB64FCD0C7}"/>
+              </a:ext>
+            </a:extLst>
+          </p:cNvPr>
+          <p:cNvPicPr>
+            <a:picLocks noChangeAspect="1"/>
+          </p:cNvPicPr>
+          <p:nvPr/>
+        </p:nvPicPr>
+        <p:blipFill>
+          <a:blip r:embed="rId2"/>
+          <a:stretch>
+            <a:fillRect/>
+          </a:stretch>
+        </p:blipFill>
+        <p:spPr>
+          <a:xfrm>
+            <a:off x="1167492" y="2882512"/>
+            <a:ext cx="4879258" cy="2923945"/>
+          </a:xfrm>
+          <a:prstGeom prst="rect">
+            <a:avLst/>
+          </a:prstGeom>
+          <a:ln w="38100">
+            <a:solidFill>
+              <a:schemeClr val="tx1"/>
+            </a:solidFill>
+          </a:ln>
+        </p:spPr>
+      </p:pic>
+      <p:pic>
+        <p:nvPicPr>
+          <p:cNvPr id="10" name="Picture 9">
+            <a:extLst>
+              <a:ext uri="{FF2B5EF4-FFF2-40B4-BE49-F238E27FC236}">
+                <a16:creationId xmlns:a16="http://schemas.microsoft.com/office/drawing/2014/main" id="{9B87A7BC-33C4-7456-02E6-41471FE2445D}"/>
+              </a:ext>
+            </a:extLst>
+          </p:cNvPr>
+          <p:cNvPicPr>
+            <a:picLocks noChangeAspect="1"/>
+          </p:cNvPicPr>
+          <p:nvPr/>
+        </p:nvPicPr>
+        <p:blipFill>
+          <a:blip r:embed="rId3"/>
+          <a:stretch>
+            <a:fillRect/>
+          </a:stretch>
+        </p:blipFill>
+        <p:spPr>
+          <a:xfrm>
+            <a:off x="7002462" y="2882512"/>
+            <a:ext cx="3624474" cy="2923945"/>
+          </a:xfrm>
+          <a:prstGeom prst="rect">
+            <a:avLst/>
+          </a:prstGeom>
+          <a:ln w="38100">
+            <a:solidFill>
+              <a:schemeClr val="tx1"/>
+            </a:solidFill>
+          </a:ln>
+        </p:spPr>
+      </p:pic>
+    </p:spTree>
+    <p:extLst>
+      <p:ext uri="{BB962C8B-B14F-4D97-AF65-F5344CB8AC3E}">
+        <p14:creationId xmlns:p14="http://schemas.microsoft.com/office/powerpoint/2010/main" val="184799179"/>
+      </p:ext>
+    </p:extLst>
+  </p:cSld>
+  <p:clrMapOvr>
+    <a:masterClrMapping/>
+  </p:clrMapOvr>
+</p:sld>
+</file>
+
+<file path=ppt/slides/slide9.xml><?xml version="1.0" encoding="utf-8"?>
+<p:sld xmlns:a="http://schemas.openxmlformats.org/drawingml/2006/main" xmlns:r="http://schemas.openxmlformats.org/officeDocument/2006/relationships" xmlns:p="http://schemas.openxmlformats.org/presentationml/2006/main">
+  <p:cSld>
+    <p:spTree>
+      <p:nvGrpSpPr>
+        <p:cNvPr id="1" name=""/>
+        <p:cNvGrpSpPr/>
+        <p:nvPr/>
+      </p:nvGrpSpPr>
+      <p:grpSpPr>
+        <a:xfrm>
+          <a:off x="0" y="0"/>
+          <a:ext cx="0" cy="0"/>
+          <a:chOff x="0" y="0"/>
+          <a:chExt cx="0" cy="0"/>
+        </a:xfrm>
+      </p:grpSpPr>
+      <p:sp>
+        <p:nvSpPr>
+          <p:cNvPr id="4" name="Title 3">
+            <a:extLst>
+              <a:ext uri="{FF2B5EF4-FFF2-40B4-BE49-F238E27FC236}">
+                <a16:creationId xmlns:a16="http://schemas.microsoft.com/office/drawing/2014/main" id="{AE97342C-2903-11B1-51AD-5C6D7412FA70}"/>
+              </a:ext>
+            </a:extLst>
+          </p:cNvPr>
+          <p:cNvSpPr>
+            <a:spLocks noGrp="1"/>
+          </p:cNvSpPr>
+          <p:nvPr>
+            <p:ph type="title"/>
+          </p:nvPr>
+        </p:nvSpPr>
+        <p:spPr>
+          <a:xfrm>
+            <a:off x="785521" y="98108"/>
+            <a:ext cx="9779183" cy="1570038"/>
           </a:xfrm>
         </p:spPr>
         <p:txBody>
@@ -9122,8 +9707,288 @@
           <a:lstStyle/>
           <a:p>
             <a:r>
+              <a:rPr lang="en-US" sz="4500" dirty="0"/>
+              <a:t>DB Manger Description</a:t>
+            </a:r>
+          </a:p>
+        </p:txBody>
+      </p:sp>
+      <p:pic>
+        <p:nvPicPr>
+          <p:cNvPr id="16" name="Picture 15">
+            <a:extLst>
+              <a:ext uri="{FF2B5EF4-FFF2-40B4-BE49-F238E27FC236}">
+                <a16:creationId xmlns:a16="http://schemas.microsoft.com/office/drawing/2014/main" id="{C2F229D0-6DDF-0B00-4D08-89333B0B7089}"/>
+              </a:ext>
+            </a:extLst>
+          </p:cNvPr>
+          <p:cNvPicPr>
+            <a:picLocks noChangeAspect="1"/>
+          </p:cNvPicPr>
+          <p:nvPr/>
+        </p:nvPicPr>
+        <p:blipFill>
+          <a:blip r:embed="rId2"/>
+          <a:stretch>
+            <a:fillRect/>
+          </a:stretch>
+        </p:blipFill>
+        <p:spPr>
+          <a:xfrm>
+            <a:off x="785521" y="1865119"/>
+            <a:ext cx="5310479" cy="4164725"/>
+          </a:xfrm>
+          <a:prstGeom prst="rect">
+            <a:avLst/>
+          </a:prstGeom>
+          <a:ln w="38100">
+            <a:solidFill>
+              <a:schemeClr val="tx1"/>
+            </a:solidFill>
+          </a:ln>
+        </p:spPr>
+      </p:pic>
+      <p:pic>
+        <p:nvPicPr>
+          <p:cNvPr id="18" name="Picture 17">
+            <a:extLst>
+              <a:ext uri="{FF2B5EF4-FFF2-40B4-BE49-F238E27FC236}">
+                <a16:creationId xmlns:a16="http://schemas.microsoft.com/office/drawing/2014/main" id="{02C16890-0342-A00C-EEB5-5ADE3C885B02}"/>
+              </a:ext>
+            </a:extLst>
+          </p:cNvPr>
+          <p:cNvPicPr>
+            <a:picLocks noChangeAspect="1"/>
+          </p:cNvPicPr>
+          <p:nvPr/>
+        </p:nvPicPr>
+        <p:blipFill>
+          <a:blip r:embed="rId3"/>
+          <a:stretch>
+            <a:fillRect/>
+          </a:stretch>
+        </p:blipFill>
+        <p:spPr>
+          <a:xfrm>
+            <a:off x="7061674" y="1257929"/>
+            <a:ext cx="4220548" cy="1563881"/>
+          </a:xfrm>
+          <a:prstGeom prst="rect">
+            <a:avLst/>
+          </a:prstGeom>
+          <a:ln w="38100">
+            <a:solidFill>
+              <a:schemeClr val="tx1"/>
+            </a:solidFill>
+          </a:ln>
+        </p:spPr>
+      </p:pic>
+      <p:pic>
+        <p:nvPicPr>
+          <p:cNvPr id="23" name="Picture 22">
+            <a:extLst>
+              <a:ext uri="{FF2B5EF4-FFF2-40B4-BE49-F238E27FC236}">
+                <a16:creationId xmlns:a16="http://schemas.microsoft.com/office/drawing/2014/main" id="{DD1C238D-2490-9DC1-1C0D-F27B4597C04E}"/>
+              </a:ext>
+            </a:extLst>
+          </p:cNvPr>
+          <p:cNvPicPr>
+            <a:picLocks noChangeAspect="1"/>
+          </p:cNvPicPr>
+          <p:nvPr/>
+        </p:nvPicPr>
+        <p:blipFill>
+          <a:blip r:embed="rId4"/>
+          <a:stretch>
+            <a:fillRect/>
+          </a:stretch>
+        </p:blipFill>
+        <p:spPr>
+          <a:xfrm>
+            <a:off x="6535983" y="3079043"/>
+            <a:ext cx="3285242" cy="1023358"/>
+          </a:xfrm>
+          <a:prstGeom prst="rect">
+            <a:avLst/>
+          </a:prstGeom>
+          <a:ln w="38100">
+            <a:solidFill>
+              <a:schemeClr val="tx1"/>
+            </a:solidFill>
+          </a:ln>
+        </p:spPr>
+      </p:pic>
+      <p:pic>
+        <p:nvPicPr>
+          <p:cNvPr id="25" name="Picture 24">
+            <a:extLst>
+              <a:ext uri="{FF2B5EF4-FFF2-40B4-BE49-F238E27FC236}">
+                <a16:creationId xmlns:a16="http://schemas.microsoft.com/office/drawing/2014/main" id="{98B3FAA9-4663-A85F-9CDD-844021A92CBC}"/>
+              </a:ext>
+            </a:extLst>
+          </p:cNvPr>
+          <p:cNvPicPr>
+            <a:picLocks noChangeAspect="1"/>
+          </p:cNvPicPr>
+          <p:nvPr/>
+        </p:nvPicPr>
+        <p:blipFill>
+          <a:blip r:embed="rId5"/>
+          <a:stretch>
+            <a:fillRect/>
+          </a:stretch>
+        </p:blipFill>
+        <p:spPr>
+          <a:xfrm>
+            <a:off x="8550220" y="4359634"/>
+            <a:ext cx="3285241" cy="1016109"/>
+          </a:xfrm>
+          <a:prstGeom prst="rect">
+            <a:avLst/>
+          </a:prstGeom>
+          <a:ln w="38100">
+            <a:solidFill>
+              <a:schemeClr val="tx1"/>
+            </a:solidFill>
+          </a:ln>
+        </p:spPr>
+      </p:pic>
+      <p:pic>
+        <p:nvPicPr>
+          <p:cNvPr id="27" name="Picture 26">
+            <a:extLst>
+              <a:ext uri="{FF2B5EF4-FFF2-40B4-BE49-F238E27FC236}">
+                <a16:creationId xmlns:a16="http://schemas.microsoft.com/office/drawing/2014/main" id="{187526DB-F28B-B8C0-5F56-73C177162290}"/>
+              </a:ext>
+            </a:extLst>
+          </p:cNvPr>
+          <p:cNvPicPr>
+            <a:picLocks noChangeAspect="1"/>
+          </p:cNvPicPr>
+          <p:nvPr/>
+        </p:nvPicPr>
+        <p:blipFill>
+          <a:blip r:embed="rId6"/>
+          <a:stretch>
+            <a:fillRect/>
+          </a:stretch>
+        </p:blipFill>
+        <p:spPr>
+          <a:xfrm>
+            <a:off x="6535982" y="5600071"/>
+            <a:ext cx="3285243" cy="1014483"/>
+          </a:xfrm>
+          <a:prstGeom prst="rect">
+            <a:avLst/>
+          </a:prstGeom>
+          <a:ln w="38100">
+            <a:solidFill>
+              <a:schemeClr val="tx1"/>
+            </a:solidFill>
+          </a:ln>
+        </p:spPr>
+      </p:pic>
+      <p:sp>
+        <p:nvSpPr>
+          <p:cNvPr id="28" name="TextBox 27">
+            <a:extLst>
+              <a:ext uri="{FF2B5EF4-FFF2-40B4-BE49-F238E27FC236}">
+                <a16:creationId xmlns:a16="http://schemas.microsoft.com/office/drawing/2014/main" id="{ED6305C8-DE66-785A-732E-A8B55DD6BA62}"/>
+              </a:ext>
+            </a:extLst>
+          </p:cNvPr>
+          <p:cNvSpPr txBox="1"/>
+          <p:nvPr/>
+        </p:nvSpPr>
+        <p:spPr>
+          <a:xfrm>
+            <a:off x="7061674" y="1242765"/>
+            <a:ext cx="1170773" cy="369332"/>
+          </a:xfrm>
+          <a:prstGeom prst="rect">
+            <a:avLst/>
+          </a:prstGeom>
+          <a:noFill/>
+        </p:spPr>
+        <p:txBody>
+          <a:bodyPr wrap="square" rtlCol="0">
+            <a:spAutoFit/>
+          </a:bodyPr>
+          <a:lstStyle/>
+          <a:p>
+            <a:r>
               <a:rPr lang="en-US" dirty="0"/>
-              <a:t>Thank you</a:t>
+              <a:t>Attributes</a:t>
+            </a:r>
+          </a:p>
+        </p:txBody>
+      </p:sp>
+      <p:sp>
+        <p:nvSpPr>
+          <p:cNvPr id="29" name="TextBox 28">
+            <a:extLst>
+              <a:ext uri="{FF2B5EF4-FFF2-40B4-BE49-F238E27FC236}">
+                <a16:creationId xmlns:a16="http://schemas.microsoft.com/office/drawing/2014/main" id="{C3DA2E74-B4B8-0FF6-1923-619B9568AC91}"/>
+              </a:ext>
+            </a:extLst>
+          </p:cNvPr>
+          <p:cNvSpPr txBox="1"/>
+          <p:nvPr/>
+        </p:nvSpPr>
+        <p:spPr>
+          <a:xfrm>
+            <a:off x="760161" y="1855203"/>
+            <a:ext cx="1170773" cy="369332"/>
+          </a:xfrm>
+          <a:prstGeom prst="rect">
+            <a:avLst/>
+          </a:prstGeom>
+          <a:noFill/>
+        </p:spPr>
+        <p:txBody>
+          <a:bodyPr wrap="square" rtlCol="0">
+            <a:spAutoFit/>
+          </a:bodyPr>
+          <a:lstStyle/>
+          <a:p>
+            <a:r>
+              <a:rPr lang="en-US" dirty="0"/>
+              <a:t>Methods</a:t>
+            </a:r>
+          </a:p>
+        </p:txBody>
+      </p:sp>
+      <p:sp>
+        <p:nvSpPr>
+          <p:cNvPr id="30" name="TextBox 29">
+            <a:extLst>
+              <a:ext uri="{FF2B5EF4-FFF2-40B4-BE49-F238E27FC236}">
+                <a16:creationId xmlns:a16="http://schemas.microsoft.com/office/drawing/2014/main" id="{5935763D-F627-C8F2-6989-6E0E71BD5687}"/>
+              </a:ext>
+            </a:extLst>
+          </p:cNvPr>
+          <p:cNvSpPr txBox="1"/>
+          <p:nvPr/>
+        </p:nvSpPr>
+        <p:spPr>
+          <a:xfrm>
+            <a:off x="6889206" y="4589626"/>
+            <a:ext cx="1343241" cy="523220"/>
+          </a:xfrm>
+          <a:prstGeom prst="rect">
+            <a:avLst/>
+          </a:prstGeom>
+          <a:noFill/>
+        </p:spPr>
+        <p:txBody>
+          <a:bodyPr wrap="square" rtlCol="0">
+            <a:spAutoFit/>
+          </a:bodyPr>
+          <a:lstStyle/>
+          <a:p>
+            <a:r>
+              <a:rPr lang="en-US" sz="2800" dirty="0"/>
+              <a:t>Files</a:t>
             </a:r>
           </a:p>
         </p:txBody>
@@ -9131,7 +9996,7 @@
     </p:spTree>
     <p:extLst>
       <p:ext uri="{BB962C8B-B14F-4D97-AF65-F5344CB8AC3E}">
-        <p14:creationId xmlns:p14="http://schemas.microsoft.com/office/powerpoint/2010/main" val="1609673525"/>
+        <p14:creationId xmlns:p14="http://schemas.microsoft.com/office/powerpoint/2010/main" val="2423811282"/>
       </p:ext>
     </p:extLst>
   </p:cSld>

--- a/Phase 2 Documents/Chat Relay – Design Presentation.pptx
+++ b/Phase 2 Documents/Chat Relay – Design Presentation.pptx
@@ -9698,7 +9698,7 @@
         </p:nvSpPr>
         <p:spPr>
           <a:xfrm>
-            <a:off x="785521" y="98108"/>
+            <a:off x="657334" y="70753"/>
             <a:ext cx="9779183" cy="1570038"/>
           </a:xfrm>
         </p:spPr>
@@ -9708,7 +9708,7 @@
           <a:p>
             <a:r>
               <a:rPr lang="en-US" sz="4500" dirty="0"/>
-              <a:t>DB Manger Description</a:t>
+              <a:t>DB Manager Description</a:t>
             </a:r>
           </a:p>
         </p:txBody>
@@ -9735,7 +9735,7 @@
         </p:blipFill>
         <p:spPr>
           <a:xfrm>
-            <a:off x="785521" y="1865119"/>
+            <a:off x="760161" y="2224535"/>
             <a:ext cx="5310479" cy="4164725"/>
           </a:xfrm>
           <a:prstGeom prst="rect">
@@ -9770,7 +9770,7 @@
         </p:blipFill>
         <p:spPr>
           <a:xfrm>
-            <a:off x="7061674" y="1257929"/>
+            <a:off x="7211291" y="1257929"/>
             <a:ext cx="4220548" cy="1563881"/>
           </a:xfrm>
           <a:prstGeom prst="rect">
@@ -9902,7 +9902,7 @@
         </p:nvSpPr>
         <p:spPr>
           <a:xfrm>
-            <a:off x="7061674" y="1242765"/>
+            <a:off x="7125056" y="888597"/>
             <a:ext cx="1170773" cy="369332"/>
           </a:xfrm>
           <a:prstGeom prst="rect">
@@ -10798,20 +10798,20 @@
 </file>
 
 <file path=customXml/item1.xml><?xml version="1.0" encoding="utf-8"?>
+<p:properties xmlns:p="http://schemas.microsoft.com/office/2006/metadata/properties" xmlns:xsi="http://www.w3.org/2001/XMLSchema-instance" xmlns:pc="http://schemas.microsoft.com/office/infopath/2007/PartnerControls">
+  <documentManagement>
+    <_activity xmlns="6ca33456-d870-4b02-a8cd-2177d9726975" xsi:nil="true"/>
+  </documentManagement>
+</p:properties>
+</file>
+
+<file path=customXml/item2.xml><?xml version="1.0" encoding="utf-8"?>
 <?mso-contentType ?>
 <FormTemplates xmlns="http://schemas.microsoft.com/sharepoint/v3/contenttype/forms">
   <Display>DocumentLibraryForm</Display>
   <Edit>DocumentLibraryForm</Edit>
   <New>DocumentLibraryForm</New>
 </FormTemplates>
-</file>
-
-<file path=customXml/item2.xml><?xml version="1.0" encoding="utf-8"?>
-<p:properties xmlns:p="http://schemas.microsoft.com/office/2006/metadata/properties" xmlns:xsi="http://www.w3.org/2001/XMLSchema-instance" xmlns:pc="http://schemas.microsoft.com/office/infopath/2007/PartnerControls">
-  <documentManagement>
-    <_activity xmlns="6ca33456-d870-4b02-a8cd-2177d9726975" xsi:nil="true"/>
-  </documentManagement>
-</p:properties>
 </file>
 
 <file path=customXml/item3.xml><?xml version="1.0" encoding="utf-8"?>
@@ -10997,14 +10997,6 @@
 </file>
 
 <file path=customXml/itemProps1.xml><?xml version="1.0" encoding="utf-8"?>
-<ds:datastoreItem xmlns:ds="http://schemas.openxmlformats.org/officeDocument/2006/customXml" ds:itemID="{45A8381C-73EB-48EA-B45F-7B7C8C7DF409}">
-  <ds:schemaRefs>
-    <ds:schemaRef ds:uri="http://schemas.microsoft.com/sharepoint/v3/contenttype/forms"/>
-  </ds:schemaRefs>
-</ds:datastoreItem>
-</file>
-
-<file path=customXml/itemProps2.xml><?xml version="1.0" encoding="utf-8"?>
 <ds:datastoreItem xmlns:ds="http://schemas.openxmlformats.org/officeDocument/2006/customXml" ds:itemID="{61E98C35-9ECE-4425-BCBA-00E118C705CE}">
   <ds:schemaRefs>
     <ds:schemaRef ds:uri="http://purl.org/dc/dcmitype/"/>
@@ -11016,6 +11008,14 @@
     <ds:schemaRef ds:uri="http://purl.org/dc/terms/"/>
     <ds:schemaRef ds:uri="http://purl.org/dc/elements/1.1/"/>
     <ds:schemaRef ds:uri="http://schemas.microsoft.com/office/infopath/2007/PartnerControls"/>
+  </ds:schemaRefs>
+</ds:datastoreItem>
+</file>
+
+<file path=customXml/itemProps2.xml><?xml version="1.0" encoding="utf-8"?>
+<ds:datastoreItem xmlns:ds="http://schemas.openxmlformats.org/officeDocument/2006/customXml" ds:itemID="{45A8381C-73EB-48EA-B45F-7B7C8C7DF409}">
+  <ds:schemaRefs>
+    <ds:schemaRef ds:uri="http://schemas.microsoft.com/sharepoint/v3/contenttype/forms"/>
   </ds:schemaRefs>
 </ds:datastoreItem>
 </file>

--- a/Phase 2 Documents/Chat Relay – Design Presentation.pptx
+++ b/Phase 2 Documents/Chat Relay – Design Presentation.pptx
@@ -9460,11 +9460,19 @@
               <a:buChar char="•"/>
             </a:pPr>
             <a:r>
-              <a:rPr lang="en-US" b="1" dirty="0"/>
+              <a:rPr lang="en-US" b="1" dirty="0">
+                <a:solidFill>
+                  <a:schemeClr val="bg1"/>
+                </a:solidFill>
+              </a:rPr>
               <a:t>ActionType</a:t>
             </a:r>
             <a:r>
-              <a:rPr lang="en-US" dirty="0"/>
+              <a:rPr lang="en-US" dirty="0">
+                <a:solidFill>
+                  <a:schemeClr val="bg1"/>
+                </a:solidFill>
+              </a:rPr>
               <a:t> - Tells the purpose and ultimately how the Packet is supposed to be processed.</a:t>
             </a:r>
           </a:p>
@@ -9474,7 +9482,11 @@
                 <a:spcPct val="150000"/>
               </a:lnSpc>
             </a:pPr>
-            <a:endParaRPr lang="en-US" dirty="0"/>
+            <a:endParaRPr lang="en-US" dirty="0">
+              <a:solidFill>
+                <a:schemeClr val="bg1"/>
+              </a:solidFill>
+            </a:endParaRPr>
           </a:p>
           <a:p>
             <a:pPr marL="285750" indent="-285750">
@@ -9485,11 +9497,19 @@
               <a:buChar char="•"/>
             </a:pPr>
             <a:r>
-              <a:rPr lang="en-US" b="1" dirty="0"/>
+              <a:rPr lang="en-US" b="1" dirty="0">
+                <a:solidFill>
+                  <a:schemeClr val="bg1"/>
+                </a:solidFill>
+              </a:rPr>
               <a:t>TimeCreated</a:t>
             </a:r>
             <a:r>
-              <a:rPr lang="en-US" dirty="0"/>
+              <a:rPr lang="en-US" dirty="0">
+                <a:solidFill>
+                  <a:schemeClr val="bg1"/>
+                </a:solidFill>
+              </a:rPr>
               <a:t> - Time the packet is created</a:t>
             </a:r>
           </a:p>
@@ -9501,7 +9521,11 @@
               <a:buFont typeface="Arial" panose="020B0604020202020204" pitchFamily="34" charset="0"/>
               <a:buChar char="•"/>
             </a:pPr>
-            <a:endParaRPr lang="en-US" dirty="0"/>
+            <a:endParaRPr lang="en-US" dirty="0">
+              <a:solidFill>
+                <a:schemeClr val="bg1"/>
+              </a:solidFill>
+            </a:endParaRPr>
           </a:p>
           <a:p>
             <a:pPr marL="285750" indent="-285750">
@@ -9512,11 +9536,19 @@
               <a:buChar char="•"/>
             </a:pPr>
             <a:r>
-              <a:rPr lang="en-US" b="1" dirty="0"/>
+              <a:rPr lang="en-US" b="1" dirty="0">
+                <a:solidFill>
+                  <a:schemeClr val="bg1"/>
+                </a:solidFill>
+              </a:rPr>
               <a:t>SenderId</a:t>
             </a:r>
             <a:r>
-              <a:rPr lang="en-US" dirty="0"/>
+              <a:rPr lang="en-US" dirty="0">
+                <a:solidFill>
+                  <a:schemeClr val="bg1"/>
+                </a:solidFill>
+              </a:rPr>
               <a:t> - Denotes who created the packet</a:t>
             </a:r>
           </a:p>
@@ -10798,20 +10830,20 @@
 </file>
 
 <file path=customXml/item1.xml><?xml version="1.0" encoding="utf-8"?>
-<p:properties xmlns:p="http://schemas.microsoft.com/office/2006/metadata/properties" xmlns:xsi="http://www.w3.org/2001/XMLSchema-instance" xmlns:pc="http://schemas.microsoft.com/office/infopath/2007/PartnerControls">
-  <documentManagement>
-    <_activity xmlns="6ca33456-d870-4b02-a8cd-2177d9726975" xsi:nil="true"/>
-  </documentManagement>
-</p:properties>
-</file>
-
-<file path=customXml/item2.xml><?xml version="1.0" encoding="utf-8"?>
 <?mso-contentType ?>
 <FormTemplates xmlns="http://schemas.microsoft.com/sharepoint/v3/contenttype/forms">
   <Display>DocumentLibraryForm</Display>
   <Edit>DocumentLibraryForm</Edit>
   <New>DocumentLibraryForm</New>
 </FormTemplates>
+</file>
+
+<file path=customXml/item2.xml><?xml version="1.0" encoding="utf-8"?>
+<p:properties xmlns:p="http://schemas.microsoft.com/office/2006/metadata/properties" xmlns:xsi="http://www.w3.org/2001/XMLSchema-instance" xmlns:pc="http://schemas.microsoft.com/office/infopath/2007/PartnerControls">
+  <documentManagement>
+    <_activity xmlns="6ca33456-d870-4b02-a8cd-2177d9726975" xsi:nil="true"/>
+  </documentManagement>
+</p:properties>
 </file>
 
 <file path=customXml/item3.xml><?xml version="1.0" encoding="utf-8"?>
@@ -10997,6 +11029,14 @@
 </file>
 
 <file path=customXml/itemProps1.xml><?xml version="1.0" encoding="utf-8"?>
+<ds:datastoreItem xmlns:ds="http://schemas.openxmlformats.org/officeDocument/2006/customXml" ds:itemID="{45A8381C-73EB-48EA-B45F-7B7C8C7DF409}">
+  <ds:schemaRefs>
+    <ds:schemaRef ds:uri="http://schemas.microsoft.com/sharepoint/v3/contenttype/forms"/>
+  </ds:schemaRefs>
+</ds:datastoreItem>
+</file>
+
+<file path=customXml/itemProps2.xml><?xml version="1.0" encoding="utf-8"?>
 <ds:datastoreItem xmlns:ds="http://schemas.openxmlformats.org/officeDocument/2006/customXml" ds:itemID="{61E98C35-9ECE-4425-BCBA-00E118C705CE}">
   <ds:schemaRefs>
     <ds:schemaRef ds:uri="http://purl.org/dc/dcmitype/"/>
@@ -11008,14 +11048,6 @@
     <ds:schemaRef ds:uri="http://purl.org/dc/terms/"/>
     <ds:schemaRef ds:uri="http://purl.org/dc/elements/1.1/"/>
     <ds:schemaRef ds:uri="http://schemas.microsoft.com/office/infopath/2007/PartnerControls"/>
-  </ds:schemaRefs>
-</ds:datastoreItem>
-</file>
-
-<file path=customXml/itemProps2.xml><?xml version="1.0" encoding="utf-8"?>
-<ds:datastoreItem xmlns:ds="http://schemas.openxmlformats.org/officeDocument/2006/customXml" ds:itemID="{45A8381C-73EB-48EA-B45F-7B7C8C7DF409}">
-  <ds:schemaRefs>
-    <ds:schemaRef ds:uri="http://schemas.microsoft.com/sharepoint/v3/contenttype/forms"/>
   </ds:schemaRefs>
 </ds:datastoreItem>
 </file>

--- a/Phase 2 Documents/Chat Relay – Design Presentation.pptx
+++ b/Phase 2 Documents/Chat Relay – Design Presentation.pptx
@@ -15,8 +15,8 @@
     <p:sldId id="300" r:id="rId6"/>
     <p:sldId id="298" r:id="rId7"/>
     <p:sldId id="299" r:id="rId8"/>
-    <p:sldId id="302" r:id="rId9"/>
-    <p:sldId id="301" r:id="rId10"/>
+    <p:sldId id="301" r:id="rId9"/>
+    <p:sldId id="302" r:id="rId10"/>
     <p:sldId id="303" r:id="rId11"/>
     <p:sldId id="304" r:id="rId12"/>
     <p:sldId id="305" r:id="rId13"/>
@@ -236,7 +236,7 @@
           <a:p>
             <a:fld id="{9D8190EA-5EEC-4300-B6AE-D9734C6C648E}" type="datetimeFigureOut">
               <a:rPr lang="en-US" smtClean="0"/>
-              <a:t>4/9/2025</a:t>
+              <a:t>4/10/25</a:t>
             </a:fld>
             <a:endParaRPr lang="en-US" dirty="0"/>
           </a:p>
@@ -413,7 +413,7 @@
           <a:p>
             <a:fld id="{7487ADD9-2083-264C-A652-8D52D02F7E72}" type="datetimeFigureOut">
               <a:rPr lang="en-US" smtClean="0"/>
-              <a:t>4/9/2025</a:t>
+              <a:t>4/10/25</a:t>
             </a:fld>
             <a:endParaRPr lang="en-US" dirty="0"/>
           </a:p>
@@ -8774,6 +8774,264 @@
           <p:cNvPr id="4" name="Title 3">
             <a:extLst>
               <a:ext uri="{FF2B5EF4-FFF2-40B4-BE49-F238E27FC236}">
+                <a16:creationId xmlns:a16="http://schemas.microsoft.com/office/drawing/2014/main" id="{D53999E6-D742-F8A1-BFD9-469233FC5070}"/>
+              </a:ext>
+            </a:extLst>
+          </p:cNvPr>
+          <p:cNvSpPr>
+            <a:spLocks noGrp="1"/>
+          </p:cNvSpPr>
+          <p:nvPr>
+            <p:ph type="title"/>
+          </p:nvPr>
+        </p:nvSpPr>
+        <p:spPr/>
+        <p:txBody>
+          <a:bodyPr/>
+          <a:lstStyle/>
+          <a:p>
+            <a:r>
+              <a:rPr lang="en-US" dirty="0"/>
+              <a:t>Chat / Message</a:t>
+            </a:r>
+            <a:br>
+              <a:rPr lang="en-US" dirty="0"/>
+            </a:br>
+            <a:r>
+              <a:rPr lang="en-US" dirty="0"/>
+              <a:t>  Descriptions</a:t>
+            </a:r>
+          </a:p>
+        </p:txBody>
+      </p:sp>
+      <p:sp>
+        <p:nvSpPr>
+          <p:cNvPr id="8" name="TextBox 7">
+            <a:extLst>
+              <a:ext uri="{FF2B5EF4-FFF2-40B4-BE49-F238E27FC236}">
+                <a16:creationId xmlns:a16="http://schemas.microsoft.com/office/drawing/2014/main" id="{2F0EB69F-E41A-1D37-9825-738194885DE3}"/>
+              </a:ext>
+            </a:extLst>
+          </p:cNvPr>
+          <p:cNvSpPr txBox="1"/>
+          <p:nvPr/>
+        </p:nvSpPr>
+        <p:spPr>
+          <a:xfrm>
+            <a:off x="6837151" y="905862"/>
+            <a:ext cx="4195985" cy="4524315"/>
+          </a:xfrm>
+          <a:prstGeom prst="rect">
+            <a:avLst/>
+          </a:prstGeom>
+          <a:noFill/>
+        </p:spPr>
+        <p:txBody>
+          <a:bodyPr wrap="square" rtlCol="0">
+            <a:spAutoFit/>
+          </a:bodyPr>
+          <a:lstStyle/>
+          <a:p>
+            <a:r>
+              <a:rPr lang="en-US" b="1" dirty="0"/>
+              <a:t>Chat (Magenta)</a:t>
+            </a:r>
+            <a:r>
+              <a:rPr lang="en-US" dirty="0"/>
+              <a:t>:</a:t>
+            </a:r>
+          </a:p>
+          <a:p>
+            <a:pPr marL="285750" indent="-285750">
+              <a:buFont typeface="Arial" panose="020B0604020202020204" pitchFamily="34" charset="0"/>
+              <a:buChar char="•"/>
+            </a:pPr>
+            <a:r>
+              <a:rPr lang="en-US" b="1" dirty="0"/>
+              <a:t>Messages</a:t>
+            </a:r>
+            <a:r>
+              <a:rPr lang="en-US" dirty="0"/>
+              <a:t> – A collection of messages in the chat</a:t>
+            </a:r>
+          </a:p>
+          <a:p>
+            <a:pPr marL="285750" indent="-285750">
+              <a:buFont typeface="Arial" panose="020B0604020202020204" pitchFamily="34" charset="0"/>
+              <a:buChar char="•"/>
+            </a:pPr>
+            <a:r>
+              <a:rPr lang="en-US" b="1" dirty="0"/>
+              <a:t>Owner (Underline)</a:t>
+            </a:r>
+            <a:r>
+              <a:rPr lang="en-US" dirty="0"/>
+              <a:t> – The User who create the Chat</a:t>
+            </a:r>
+          </a:p>
+          <a:p>
+            <a:pPr marL="285750" indent="-285750">
+              <a:buFont typeface="Arial" panose="020B0604020202020204" pitchFamily="34" charset="0"/>
+              <a:buChar char="•"/>
+            </a:pPr>
+            <a:r>
+              <a:rPr lang="en-US" b="1" dirty="0"/>
+              <a:t>RoomName</a:t>
+            </a:r>
+            <a:r>
+              <a:rPr lang="en-US" dirty="0"/>
+              <a:t> – The Chat name to be displayed</a:t>
+            </a:r>
+          </a:p>
+          <a:p>
+            <a:pPr marL="285750" indent="-285750">
+              <a:buFont typeface="Arial" panose="020B0604020202020204" pitchFamily="34" charset="0"/>
+              <a:buChar char="•"/>
+            </a:pPr>
+            <a:r>
+              <a:rPr lang="en-US" b="1" dirty="0"/>
+              <a:t>Chatters</a:t>
+            </a:r>
+            <a:r>
+              <a:rPr lang="en-US" dirty="0"/>
+              <a:t> – A List of Users in the Chat</a:t>
+            </a:r>
+          </a:p>
+          <a:p>
+            <a:endParaRPr lang="en-US" dirty="0"/>
+          </a:p>
+          <a:p>
+            <a:r>
+              <a:rPr lang="en-US" b="1" dirty="0"/>
+              <a:t>Message (Green)</a:t>
+            </a:r>
+            <a:r>
+              <a:rPr lang="en-US" dirty="0"/>
+              <a:t>:</a:t>
+            </a:r>
+          </a:p>
+          <a:p>
+            <a:pPr marL="285750" indent="-285750">
+              <a:buFont typeface="Arial" panose="020B0604020202020204" pitchFamily="34" charset="0"/>
+              <a:buChar char="•"/>
+            </a:pPr>
+            <a:r>
+              <a:rPr lang="en-US" b="1" dirty="0"/>
+              <a:t>CreatedAt</a:t>
+            </a:r>
+            <a:r>
+              <a:rPr lang="en-US" dirty="0"/>
+              <a:t> – Current time the Message was created</a:t>
+            </a:r>
+          </a:p>
+          <a:p>
+            <a:pPr marL="285750" indent="-285750">
+              <a:buFont typeface="Arial" panose="020B0604020202020204" pitchFamily="34" charset="0"/>
+              <a:buChar char="•"/>
+            </a:pPr>
+            <a:r>
+              <a:rPr lang="en-US" b="1" dirty="0"/>
+              <a:t>Content</a:t>
+            </a:r>
+            <a:r>
+              <a:rPr lang="en-US" dirty="0"/>
+              <a:t> – The text being sent</a:t>
+            </a:r>
+          </a:p>
+          <a:p>
+            <a:pPr marL="285750" indent="-285750">
+              <a:buFont typeface="Arial" panose="020B0604020202020204" pitchFamily="34" charset="0"/>
+              <a:buChar char="•"/>
+            </a:pPr>
+            <a:r>
+              <a:rPr lang="en-US" b="1" dirty="0"/>
+              <a:t>Author</a:t>
+            </a:r>
+            <a:r>
+              <a:rPr lang="en-US" dirty="0"/>
+              <a:t> – The original sender</a:t>
+            </a:r>
+          </a:p>
+          <a:p>
+            <a:pPr marL="285750" indent="-285750">
+              <a:buFont typeface="Arial" panose="020B0604020202020204" pitchFamily="34" charset="0"/>
+              <a:buChar char="•"/>
+            </a:pPr>
+            <a:r>
+              <a:rPr lang="en-US" b="1" dirty="0"/>
+              <a:t>Chat</a:t>
+            </a:r>
+            <a:r>
+              <a:rPr lang="en-US" dirty="0"/>
+              <a:t> – The Chat where the Message is being sent</a:t>
+            </a:r>
+          </a:p>
+        </p:txBody>
+      </p:sp>
+      <p:pic>
+        <p:nvPicPr>
+          <p:cNvPr id="27" name="Content Placeholder 26">
+            <a:extLst>
+              <a:ext uri="{FF2B5EF4-FFF2-40B4-BE49-F238E27FC236}">
+                <a16:creationId xmlns:a16="http://schemas.microsoft.com/office/drawing/2014/main" id="{F35B2483-F75A-3B73-3B3C-2682AD1A4914}"/>
+              </a:ext>
+            </a:extLst>
+          </p:cNvPr>
+          <p:cNvPicPr>
+            <a:picLocks noGrp="1" noChangeAspect="1"/>
+          </p:cNvPicPr>
+          <p:nvPr>
+            <p:ph idx="1"/>
+          </p:nvPr>
+        </p:nvPicPr>
+        <p:blipFill>
+          <a:blip r:embed="rId2"/>
+          <a:stretch>
+            <a:fillRect/>
+          </a:stretch>
+        </p:blipFill>
+        <p:spPr>
+          <a:xfrm>
+            <a:off x="600169" y="2108767"/>
+            <a:ext cx="5888808" cy="4070652"/>
+          </a:xfrm>
+        </p:spPr>
+      </p:pic>
+    </p:spTree>
+    <p:extLst>
+      <p:ext uri="{BB962C8B-B14F-4D97-AF65-F5344CB8AC3E}">
+        <p14:creationId xmlns:p14="http://schemas.microsoft.com/office/powerpoint/2010/main" val="2687122539"/>
+      </p:ext>
+    </p:extLst>
+  </p:cSld>
+  <p:clrMapOvr>
+    <a:masterClrMapping/>
+  </p:clrMapOvr>
+</p:sld>
+</file>
+
+<file path=ppt/slides/slide6.xml><?xml version="1.0" encoding="utf-8"?>
+<p:sld xmlns:a="http://schemas.openxmlformats.org/drawingml/2006/main" xmlns:r="http://schemas.openxmlformats.org/officeDocument/2006/relationships" xmlns:p="http://schemas.openxmlformats.org/presentationml/2006/main">
+  <p:cSld>
+    <p:spTree>
+      <p:nvGrpSpPr>
+        <p:cNvPr id="1" name=""/>
+        <p:cNvGrpSpPr/>
+        <p:nvPr/>
+      </p:nvGrpSpPr>
+      <p:grpSpPr>
+        <a:xfrm>
+          <a:off x="0" y="0"/>
+          <a:ext cx="0" cy="0"/>
+          <a:chOff x="0" y="0"/>
+          <a:chExt cx="0" cy="0"/>
+        </a:xfrm>
+      </p:grpSpPr>
+      <p:sp>
+        <p:nvSpPr>
+          <p:cNvPr id="4" name="Title 3">
+            <a:extLst>
+              <a:ext uri="{FF2B5EF4-FFF2-40B4-BE49-F238E27FC236}">
                 <a16:creationId xmlns:a16="http://schemas.microsoft.com/office/drawing/2014/main" id="{D306BC3E-E238-53D3-2A3E-ED9FAC0403F6}"/>
               </a:ext>
             </a:extLst>
@@ -8869,264 +9127,6 @@
     <p:extLst>
       <p:ext uri="{BB962C8B-B14F-4D97-AF65-F5344CB8AC3E}">
         <p14:creationId xmlns:p14="http://schemas.microsoft.com/office/powerpoint/2010/main" val="1926572666"/>
-      </p:ext>
-    </p:extLst>
-  </p:cSld>
-  <p:clrMapOvr>
-    <a:masterClrMapping/>
-  </p:clrMapOvr>
-</p:sld>
-</file>
-
-<file path=ppt/slides/slide6.xml><?xml version="1.0" encoding="utf-8"?>
-<p:sld xmlns:a="http://schemas.openxmlformats.org/drawingml/2006/main" xmlns:r="http://schemas.openxmlformats.org/officeDocument/2006/relationships" xmlns:p="http://schemas.openxmlformats.org/presentationml/2006/main">
-  <p:cSld>
-    <p:spTree>
-      <p:nvGrpSpPr>
-        <p:cNvPr id="1" name=""/>
-        <p:cNvGrpSpPr/>
-        <p:nvPr/>
-      </p:nvGrpSpPr>
-      <p:grpSpPr>
-        <a:xfrm>
-          <a:off x="0" y="0"/>
-          <a:ext cx="0" cy="0"/>
-          <a:chOff x="0" y="0"/>
-          <a:chExt cx="0" cy="0"/>
-        </a:xfrm>
-      </p:grpSpPr>
-      <p:sp>
-        <p:nvSpPr>
-          <p:cNvPr id="4" name="Title 3">
-            <a:extLst>
-              <a:ext uri="{FF2B5EF4-FFF2-40B4-BE49-F238E27FC236}">
-                <a16:creationId xmlns:a16="http://schemas.microsoft.com/office/drawing/2014/main" id="{D53999E6-D742-F8A1-BFD9-469233FC5070}"/>
-              </a:ext>
-            </a:extLst>
-          </p:cNvPr>
-          <p:cNvSpPr>
-            <a:spLocks noGrp="1"/>
-          </p:cNvSpPr>
-          <p:nvPr>
-            <p:ph type="title"/>
-          </p:nvPr>
-        </p:nvSpPr>
-        <p:spPr/>
-        <p:txBody>
-          <a:bodyPr/>
-          <a:lstStyle/>
-          <a:p>
-            <a:r>
-              <a:rPr lang="en-US" dirty="0"/>
-              <a:t>Chat / Message</a:t>
-            </a:r>
-            <a:br>
-              <a:rPr lang="en-US" dirty="0"/>
-            </a:br>
-            <a:r>
-              <a:rPr lang="en-US" dirty="0"/>
-              <a:t>  Descriptions</a:t>
-            </a:r>
-          </a:p>
-        </p:txBody>
-      </p:sp>
-      <p:sp>
-        <p:nvSpPr>
-          <p:cNvPr id="8" name="TextBox 7">
-            <a:extLst>
-              <a:ext uri="{FF2B5EF4-FFF2-40B4-BE49-F238E27FC236}">
-                <a16:creationId xmlns:a16="http://schemas.microsoft.com/office/drawing/2014/main" id="{2F0EB69F-E41A-1D37-9825-738194885DE3}"/>
-              </a:ext>
-            </a:extLst>
-          </p:cNvPr>
-          <p:cNvSpPr txBox="1"/>
-          <p:nvPr/>
-        </p:nvSpPr>
-        <p:spPr>
-          <a:xfrm>
-            <a:off x="6837151" y="905862"/>
-            <a:ext cx="4195985" cy="4524315"/>
-          </a:xfrm>
-          <a:prstGeom prst="rect">
-            <a:avLst/>
-          </a:prstGeom>
-          <a:noFill/>
-        </p:spPr>
-        <p:txBody>
-          <a:bodyPr wrap="square" rtlCol="0">
-            <a:spAutoFit/>
-          </a:bodyPr>
-          <a:lstStyle/>
-          <a:p>
-            <a:r>
-              <a:rPr lang="en-US" b="1" dirty="0"/>
-              <a:t>Chat (Magenta)</a:t>
-            </a:r>
-            <a:r>
-              <a:rPr lang="en-US" dirty="0"/>
-              <a:t>:</a:t>
-            </a:r>
-          </a:p>
-          <a:p>
-            <a:pPr marL="285750" indent="-285750">
-              <a:buFont typeface="Arial" panose="020B0604020202020204" pitchFamily="34" charset="0"/>
-              <a:buChar char="•"/>
-            </a:pPr>
-            <a:r>
-              <a:rPr lang="en-US" b="1" dirty="0"/>
-              <a:t>Messages</a:t>
-            </a:r>
-            <a:r>
-              <a:rPr lang="en-US" dirty="0"/>
-              <a:t> – A collection of messages in the chat</a:t>
-            </a:r>
-          </a:p>
-          <a:p>
-            <a:pPr marL="285750" indent="-285750">
-              <a:buFont typeface="Arial" panose="020B0604020202020204" pitchFamily="34" charset="0"/>
-              <a:buChar char="•"/>
-            </a:pPr>
-            <a:r>
-              <a:rPr lang="en-US" b="1" dirty="0"/>
-              <a:t>Owner (Underline)</a:t>
-            </a:r>
-            <a:r>
-              <a:rPr lang="en-US" dirty="0"/>
-              <a:t> – The User who create the Chat</a:t>
-            </a:r>
-          </a:p>
-          <a:p>
-            <a:pPr marL="285750" indent="-285750">
-              <a:buFont typeface="Arial" panose="020B0604020202020204" pitchFamily="34" charset="0"/>
-              <a:buChar char="•"/>
-            </a:pPr>
-            <a:r>
-              <a:rPr lang="en-US" b="1" dirty="0"/>
-              <a:t>RoomName</a:t>
-            </a:r>
-            <a:r>
-              <a:rPr lang="en-US" dirty="0"/>
-              <a:t> – The Chat name to be displayed</a:t>
-            </a:r>
-          </a:p>
-          <a:p>
-            <a:pPr marL="285750" indent="-285750">
-              <a:buFont typeface="Arial" panose="020B0604020202020204" pitchFamily="34" charset="0"/>
-              <a:buChar char="•"/>
-            </a:pPr>
-            <a:r>
-              <a:rPr lang="en-US" b="1" dirty="0"/>
-              <a:t>Chatters</a:t>
-            </a:r>
-            <a:r>
-              <a:rPr lang="en-US" dirty="0"/>
-              <a:t> – A List of Users in the Chat</a:t>
-            </a:r>
-          </a:p>
-          <a:p>
-            <a:endParaRPr lang="en-US" dirty="0"/>
-          </a:p>
-          <a:p>
-            <a:r>
-              <a:rPr lang="en-US" b="1" dirty="0"/>
-              <a:t>Message (Green)</a:t>
-            </a:r>
-            <a:r>
-              <a:rPr lang="en-US" dirty="0"/>
-              <a:t>:</a:t>
-            </a:r>
-          </a:p>
-          <a:p>
-            <a:pPr marL="285750" indent="-285750">
-              <a:buFont typeface="Arial" panose="020B0604020202020204" pitchFamily="34" charset="0"/>
-              <a:buChar char="•"/>
-            </a:pPr>
-            <a:r>
-              <a:rPr lang="en-US" b="1" dirty="0"/>
-              <a:t>CreatedAt</a:t>
-            </a:r>
-            <a:r>
-              <a:rPr lang="en-US" dirty="0"/>
-              <a:t> – Current time the Message was created</a:t>
-            </a:r>
-          </a:p>
-          <a:p>
-            <a:pPr marL="285750" indent="-285750">
-              <a:buFont typeface="Arial" panose="020B0604020202020204" pitchFamily="34" charset="0"/>
-              <a:buChar char="•"/>
-            </a:pPr>
-            <a:r>
-              <a:rPr lang="en-US" b="1" dirty="0"/>
-              <a:t>Content</a:t>
-            </a:r>
-            <a:r>
-              <a:rPr lang="en-US" dirty="0"/>
-              <a:t> – The text being sent</a:t>
-            </a:r>
-          </a:p>
-          <a:p>
-            <a:pPr marL="285750" indent="-285750">
-              <a:buFont typeface="Arial" panose="020B0604020202020204" pitchFamily="34" charset="0"/>
-              <a:buChar char="•"/>
-            </a:pPr>
-            <a:r>
-              <a:rPr lang="en-US" b="1" dirty="0"/>
-              <a:t>Author</a:t>
-            </a:r>
-            <a:r>
-              <a:rPr lang="en-US" dirty="0"/>
-              <a:t> – The original sender</a:t>
-            </a:r>
-          </a:p>
-          <a:p>
-            <a:pPr marL="285750" indent="-285750">
-              <a:buFont typeface="Arial" panose="020B0604020202020204" pitchFamily="34" charset="0"/>
-              <a:buChar char="•"/>
-            </a:pPr>
-            <a:r>
-              <a:rPr lang="en-US" b="1" dirty="0"/>
-              <a:t>Chat</a:t>
-            </a:r>
-            <a:r>
-              <a:rPr lang="en-US" dirty="0"/>
-              <a:t> – The Chat where the Message is being sent</a:t>
-            </a:r>
-          </a:p>
-        </p:txBody>
-      </p:sp>
-      <p:pic>
-        <p:nvPicPr>
-          <p:cNvPr id="27" name="Content Placeholder 26">
-            <a:extLst>
-              <a:ext uri="{FF2B5EF4-FFF2-40B4-BE49-F238E27FC236}">
-                <a16:creationId xmlns:a16="http://schemas.microsoft.com/office/drawing/2014/main" id="{F35B2483-F75A-3B73-3B3C-2682AD1A4914}"/>
-              </a:ext>
-            </a:extLst>
-          </p:cNvPr>
-          <p:cNvPicPr>
-            <a:picLocks noGrp="1" noChangeAspect="1"/>
-          </p:cNvPicPr>
-          <p:nvPr>
-            <p:ph idx="1"/>
-          </p:nvPr>
-        </p:nvPicPr>
-        <p:blipFill>
-          <a:blip r:embed="rId2"/>
-          <a:stretch>
-            <a:fillRect/>
-          </a:stretch>
-        </p:blipFill>
-        <p:spPr>
-          <a:xfrm>
-            <a:off x="600169" y="2108767"/>
-            <a:ext cx="5888808" cy="4070652"/>
-          </a:xfrm>
-        </p:spPr>
-      </p:pic>
-    </p:spTree>
-    <p:extLst>
-      <p:ext uri="{BB962C8B-B14F-4D97-AF65-F5344CB8AC3E}">
-        <p14:creationId xmlns:p14="http://schemas.microsoft.com/office/powerpoint/2010/main" val="2687122539"/>
       </p:ext>
     </p:extLst>
   </p:cSld>
@@ -10830,20 +10830,20 @@
 </file>
 
 <file path=customXml/item1.xml><?xml version="1.0" encoding="utf-8"?>
+<p:properties xmlns:p="http://schemas.microsoft.com/office/2006/metadata/properties" xmlns:xsi="http://www.w3.org/2001/XMLSchema-instance" xmlns:pc="http://schemas.microsoft.com/office/infopath/2007/PartnerControls">
+  <documentManagement>
+    <_activity xmlns="6ca33456-d870-4b02-a8cd-2177d9726975" xsi:nil="true"/>
+  </documentManagement>
+</p:properties>
+</file>
+
+<file path=customXml/item2.xml><?xml version="1.0" encoding="utf-8"?>
 <?mso-contentType ?>
 <FormTemplates xmlns="http://schemas.microsoft.com/sharepoint/v3/contenttype/forms">
   <Display>DocumentLibraryForm</Display>
   <Edit>DocumentLibraryForm</Edit>
   <New>DocumentLibraryForm</New>
 </FormTemplates>
-</file>
-
-<file path=customXml/item2.xml><?xml version="1.0" encoding="utf-8"?>
-<p:properties xmlns:p="http://schemas.microsoft.com/office/2006/metadata/properties" xmlns:xsi="http://www.w3.org/2001/XMLSchema-instance" xmlns:pc="http://schemas.microsoft.com/office/infopath/2007/PartnerControls">
-  <documentManagement>
-    <_activity xmlns="6ca33456-d870-4b02-a8cd-2177d9726975" xsi:nil="true"/>
-  </documentManagement>
-</p:properties>
 </file>
 
 <file path=customXml/item3.xml><?xml version="1.0" encoding="utf-8"?>
@@ -11029,14 +11029,6 @@
 </file>
 
 <file path=customXml/itemProps1.xml><?xml version="1.0" encoding="utf-8"?>
-<ds:datastoreItem xmlns:ds="http://schemas.openxmlformats.org/officeDocument/2006/customXml" ds:itemID="{45A8381C-73EB-48EA-B45F-7B7C8C7DF409}">
-  <ds:schemaRefs>
-    <ds:schemaRef ds:uri="http://schemas.microsoft.com/sharepoint/v3/contenttype/forms"/>
-  </ds:schemaRefs>
-</ds:datastoreItem>
-</file>
-
-<file path=customXml/itemProps2.xml><?xml version="1.0" encoding="utf-8"?>
 <ds:datastoreItem xmlns:ds="http://schemas.openxmlformats.org/officeDocument/2006/customXml" ds:itemID="{61E98C35-9ECE-4425-BCBA-00E118C705CE}">
   <ds:schemaRefs>
     <ds:schemaRef ds:uri="http://purl.org/dc/dcmitype/"/>
@@ -11048,6 +11040,14 @@
     <ds:schemaRef ds:uri="http://purl.org/dc/terms/"/>
     <ds:schemaRef ds:uri="http://purl.org/dc/elements/1.1/"/>
     <ds:schemaRef ds:uri="http://schemas.microsoft.com/office/infopath/2007/PartnerControls"/>
+  </ds:schemaRefs>
+</ds:datastoreItem>
+</file>
+
+<file path=customXml/itemProps2.xml><?xml version="1.0" encoding="utf-8"?>
+<ds:datastoreItem xmlns:ds="http://schemas.openxmlformats.org/officeDocument/2006/customXml" ds:itemID="{45A8381C-73EB-48EA-B45F-7B7C8C7DF409}">
+  <ds:schemaRefs>
+    <ds:schemaRef ds:uri="http://schemas.microsoft.com/sharepoint/v3/contenttype/forms"/>
   </ds:schemaRefs>
 </ds:datastoreItem>
 </file>
